--- a/docs/tech-fest-pres/template.pptx
+++ b/docs/tech-fest-pres/template.pptx
@@ -2341,7 +2341,7 @@
           <a:p>
             <a:fld id="{C06E50B8-2EF8-564F-AE86-D84E6C503530}" type="datetimeFigureOut">
               <a:rPr lang="en-US" smtClean="0"/>
-              <a:t>7/11/23</a:t>
+              <a:t>7/13/23</a:t>
             </a:fld>
             <a:endParaRPr lang="en-US"/>
           </a:p>
@@ -2518,7 +2518,7 @@
           <a:p>
             <a:fld id="{13AC8D20-1945-7145-91A2-3D134BDA25E2}" type="datetimeFigureOut">
               <a:rPr lang="en-US" smtClean="0"/>
-              <a:t>7/11/23</a:t>
+              <a:t>7/13/23</a:t>
             </a:fld>
             <a:endParaRPr lang="en-US"/>
           </a:p>
@@ -3338,7 +3338,7 @@
             <a:fld id="{9B7EE7B1-A6C1-4E39-8665-A73ED03F32E1}" type="datetimeFigureOut">
               <a:rPr lang="en-US" smtClean="0"/>
               <a:pPr/>
-              <a:t>7/11/23</a:t>
+              <a:t>7/13/23</a:t>
             </a:fld>
             <a:endParaRPr lang="en-US" dirty="0"/>
           </a:p>
@@ -3548,57 +3548,6 @@
       </p:grpSpPr>
       <p:sp>
         <p:nvSpPr>
-          <p:cNvPr id="12" name="Picture Placeholder 2">
-            <a:extLst>
-              <a:ext uri="{FF2B5EF4-FFF2-40B4-BE49-F238E27FC236}">
-                <a16:creationId xmlns:a16="http://schemas.microsoft.com/office/drawing/2014/main" id="{66026595-8D7E-D24C-9263-B65316A326B9}"/>
-              </a:ext>
-            </a:extLst>
-          </p:cNvPr>
-          <p:cNvSpPr>
-            <a:spLocks noGrp="1"/>
-          </p:cNvSpPr>
-          <p:nvPr>
-            <p:ph type="pic" sz="quarter" idx="10"/>
-          </p:nvPr>
-        </p:nvSpPr>
-        <p:spPr>
-          <a:xfrm>
-            <a:off x="6400800" y="457200"/>
-            <a:ext cx="7772400" cy="7315200"/>
-          </a:xfrm>
-          <a:prstGeom prst="rect">
-            <a:avLst/>
-          </a:prstGeom>
-          <a:solidFill>
-            <a:srgbClr val="B3B3B3"/>
-          </a:solidFill>
-        </p:spPr>
-        <p:txBody>
-          <a:bodyPr lIns="0" tIns="0" rIns="0" bIns="0" anchor="ctr" anchorCtr="0"/>
-          <a:lstStyle>
-            <a:lvl1pPr marL="0" indent="0" algn="ctr">
-              <a:buNone/>
-              <a:defRPr sz="1800">
-                <a:solidFill>
-                  <a:srgbClr val="000000"/>
-                </a:solidFill>
-                <a:latin typeface="Arial" panose="020B0604020202020204" pitchFamily="34" charset="0"/>
-                <a:cs typeface="Arial" panose="020B0604020202020204" pitchFamily="34" charset="0"/>
-              </a:defRPr>
-            </a:lvl1pPr>
-          </a:lstStyle>
-          <a:p>
-            <a:r>
-              <a:rPr lang="en-US"/>
-              <a:t>Click icon to add picture</a:t>
-            </a:r>
-            <a:endParaRPr lang="en-US" dirty="0"/>
-          </a:p>
-        </p:txBody>
-      </p:sp>
-      <p:sp>
-        <p:nvSpPr>
           <p:cNvPr id="13" name="Slide Number Placeholder 3">
             <a:extLst>
               <a:ext uri="{FF2B5EF4-FFF2-40B4-BE49-F238E27FC236}">
@@ -3752,7 +3701,7 @@
         </p:nvSpPr>
         <p:spPr>
           <a:xfrm>
-            <a:off x="1533167" y="1558522"/>
+            <a:off x="1378788" y="2889789"/>
             <a:ext cx="4410433" cy="1590675"/>
           </a:xfrm>
           <a:prstGeom prst="rect">
@@ -3806,8 +3755,8 @@
         </p:nvSpPr>
         <p:spPr>
           <a:xfrm>
-            <a:off x="2316938" y="3348630"/>
-            <a:ext cx="3626662" cy="3429000"/>
+            <a:off x="6400800" y="1211283"/>
+            <a:ext cx="7772400" cy="6538362"/>
           </a:xfrm>
           <a:prstGeom prst="rect">
             <a:avLst/>
@@ -3935,7 +3884,7 @@
             <a:fld id="{9B7EE7B1-A6C1-4E39-8665-A73ED03F32E1}" type="datetimeFigureOut">
               <a:rPr lang="en-US" smtClean="0"/>
               <a:pPr/>
-              <a:t>7/11/23</a:t>
+              <a:t>7/13/23</a:t>
             </a:fld>
             <a:endParaRPr lang="en-US" dirty="0"/>
           </a:p>
@@ -4274,7 +4223,7 @@
             <a:fld id="{9B7EE7B1-A6C1-4E39-8665-A73ED03F32E1}" type="datetimeFigureOut">
               <a:rPr lang="en-US" smtClean="0"/>
               <a:pPr/>
-              <a:t>7/11/23</a:t>
+              <a:t>7/13/23</a:t>
             </a:fld>
             <a:endParaRPr lang="en-US" dirty="0"/>
           </a:p>
@@ -4789,7 +4738,7 @@
             <a:fld id="{9B7EE7B1-A6C1-4E39-8665-A73ED03F32E1}" type="datetimeFigureOut">
               <a:rPr lang="en-US" smtClean="0"/>
               <a:pPr/>
-              <a:t>7/11/23</a:t>
+              <a:t>7/13/23</a:t>
             </a:fld>
             <a:endParaRPr lang="en-US" dirty="0"/>
           </a:p>
@@ -5722,7 +5671,7 @@
             <a:fld id="{9B7EE7B1-A6C1-4E39-8665-A73ED03F32E1}" type="datetimeFigureOut">
               <a:rPr lang="en-US" smtClean="0"/>
               <a:pPr/>
-              <a:t>7/11/23</a:t>
+              <a:t>7/13/23</a:t>
             </a:fld>
             <a:endParaRPr lang="en-US" dirty="0"/>
           </a:p>
@@ -6906,7 +6855,7 @@
             <a:fld id="{9B7EE7B1-A6C1-4E39-8665-A73ED03F32E1}" type="datetimeFigureOut">
               <a:rPr lang="en-US" smtClean="0"/>
               <a:pPr/>
-              <a:t>7/11/23</a:t>
+              <a:t>7/13/23</a:t>
             </a:fld>
             <a:endParaRPr lang="en-US" dirty="0"/>
           </a:p>
@@ -7058,840 +7007,6 @@
       </p:grpSpPr>
       <p:sp>
         <p:nvSpPr>
-          <p:cNvPr id="3" name="Picture Placeholder 2">
-            <a:extLst>
-              <a:ext uri="{FF2B5EF4-FFF2-40B4-BE49-F238E27FC236}">
-                <a16:creationId xmlns:a16="http://schemas.microsoft.com/office/drawing/2014/main" id="{3DEE2FC3-856F-2F4B-A52D-94189159AC19}"/>
-              </a:ext>
-            </a:extLst>
-          </p:cNvPr>
-          <p:cNvSpPr>
-            <a:spLocks noGrp="1"/>
-          </p:cNvSpPr>
-          <p:nvPr>
-            <p:ph type="pic" sz="quarter" idx="10"/>
-          </p:nvPr>
-        </p:nvSpPr>
-        <p:spPr>
-          <a:xfrm>
-            <a:off x="1533524" y="5213078"/>
-            <a:ext cx="3907155" cy="2559322"/>
-          </a:xfrm>
-          <a:prstGeom prst="rect">
-            <a:avLst/>
-          </a:prstGeom>
-          <a:solidFill>
-            <a:srgbClr val="B3B3B3"/>
-          </a:solidFill>
-        </p:spPr>
-        <p:txBody>
-          <a:bodyPr lIns="0" tIns="0" rIns="0" bIns="0" anchor="ctr" anchorCtr="0"/>
-          <a:lstStyle>
-            <a:lvl1pPr marL="0" indent="0" algn="ctr">
-              <a:buNone/>
-              <a:defRPr sz="1800">
-                <a:solidFill>
-                  <a:srgbClr val="000000"/>
-                </a:solidFill>
-                <a:latin typeface="Arial" panose="020B0604020202020204" pitchFamily="34" charset="0"/>
-                <a:cs typeface="Arial" panose="020B0604020202020204" pitchFamily="34" charset="0"/>
-              </a:defRPr>
-            </a:lvl1pPr>
-          </a:lstStyle>
-          <a:p>
-            <a:r>
-              <a:rPr lang="en-US"/>
-              <a:t>Click icon to add picture</a:t>
-            </a:r>
-          </a:p>
-        </p:txBody>
-      </p:sp>
-      <p:sp>
-        <p:nvSpPr>
-          <p:cNvPr id="11" name="Picture Placeholder 2">
-            <a:extLst>
-              <a:ext uri="{FF2B5EF4-FFF2-40B4-BE49-F238E27FC236}">
-                <a16:creationId xmlns:a16="http://schemas.microsoft.com/office/drawing/2014/main" id="{FE341CF1-EFF3-A64D-A9D4-B96C8CD8F301}"/>
-              </a:ext>
-            </a:extLst>
-          </p:cNvPr>
-          <p:cNvSpPr>
-            <a:spLocks noGrp="1"/>
-          </p:cNvSpPr>
-          <p:nvPr>
-            <p:ph type="pic" sz="quarter" idx="11"/>
-          </p:nvPr>
-        </p:nvSpPr>
-        <p:spPr>
-          <a:xfrm>
-            <a:off x="1533524" y="2219324"/>
-            <a:ext cx="3907155" cy="2562987"/>
-          </a:xfrm>
-          <a:prstGeom prst="rect">
-            <a:avLst/>
-          </a:prstGeom>
-          <a:solidFill>
-            <a:srgbClr val="B3B3B3"/>
-          </a:solidFill>
-        </p:spPr>
-        <p:txBody>
-          <a:bodyPr lIns="0" tIns="0" rIns="0" bIns="0" anchor="ctr" anchorCtr="0"/>
-          <a:lstStyle>
-            <a:lvl1pPr marL="0" indent="0" algn="ctr">
-              <a:buNone/>
-              <a:defRPr sz="1800">
-                <a:solidFill>
-                  <a:srgbClr val="000000"/>
-                </a:solidFill>
-                <a:latin typeface="Arial" panose="020B0604020202020204" pitchFamily="34" charset="0"/>
-                <a:cs typeface="Arial" panose="020B0604020202020204" pitchFamily="34" charset="0"/>
-              </a:defRPr>
-            </a:lvl1pPr>
-          </a:lstStyle>
-          <a:p>
-            <a:r>
-              <a:rPr lang="en-US"/>
-              <a:t>Click icon to add picture</a:t>
-            </a:r>
-          </a:p>
-        </p:txBody>
-      </p:sp>
-      <p:sp>
-        <p:nvSpPr>
-          <p:cNvPr id="13" name="Picture Placeholder 2">
-            <a:extLst>
-              <a:ext uri="{FF2B5EF4-FFF2-40B4-BE49-F238E27FC236}">
-                <a16:creationId xmlns:a16="http://schemas.microsoft.com/office/drawing/2014/main" id="{D0629C78-28FC-874B-96C1-DFAAFF975DEC}"/>
-              </a:ext>
-            </a:extLst>
-          </p:cNvPr>
-          <p:cNvSpPr>
-            <a:spLocks noGrp="1"/>
-          </p:cNvSpPr>
-          <p:nvPr>
-            <p:ph type="pic" sz="quarter" idx="12"/>
-          </p:nvPr>
-        </p:nvSpPr>
-        <p:spPr>
-          <a:xfrm>
-            <a:off x="5899784" y="5213078"/>
-            <a:ext cx="3907155" cy="2559322"/>
-          </a:xfrm>
-          <a:prstGeom prst="rect">
-            <a:avLst/>
-          </a:prstGeom>
-          <a:solidFill>
-            <a:srgbClr val="B3B3B3"/>
-          </a:solidFill>
-        </p:spPr>
-        <p:txBody>
-          <a:bodyPr lIns="0" tIns="0" rIns="0" bIns="0" anchor="ctr" anchorCtr="0"/>
-          <a:lstStyle>
-            <a:lvl1pPr marL="0" indent="0" algn="ctr">
-              <a:buNone/>
-              <a:defRPr sz="1800">
-                <a:solidFill>
-                  <a:srgbClr val="000000"/>
-                </a:solidFill>
-                <a:latin typeface="Arial" panose="020B0604020202020204" pitchFamily="34" charset="0"/>
-                <a:cs typeface="Arial" panose="020B0604020202020204" pitchFamily="34" charset="0"/>
-              </a:defRPr>
-            </a:lvl1pPr>
-          </a:lstStyle>
-          <a:p>
-            <a:r>
-              <a:rPr lang="en-US"/>
-              <a:t>Click icon to add picture</a:t>
-            </a:r>
-          </a:p>
-        </p:txBody>
-      </p:sp>
-      <p:sp>
-        <p:nvSpPr>
-          <p:cNvPr id="14" name="Picture Placeholder 2">
-            <a:extLst>
-              <a:ext uri="{FF2B5EF4-FFF2-40B4-BE49-F238E27FC236}">
-                <a16:creationId xmlns:a16="http://schemas.microsoft.com/office/drawing/2014/main" id="{5089EEED-3863-BD48-BCCB-4D264015DA60}"/>
-              </a:ext>
-            </a:extLst>
-          </p:cNvPr>
-          <p:cNvSpPr>
-            <a:spLocks noGrp="1"/>
-          </p:cNvSpPr>
-          <p:nvPr>
-            <p:ph type="pic" sz="quarter" idx="13"/>
-          </p:nvPr>
-        </p:nvSpPr>
-        <p:spPr>
-          <a:xfrm>
-            <a:off x="5899784" y="2219324"/>
-            <a:ext cx="3907155" cy="2562987"/>
-          </a:xfrm>
-          <a:prstGeom prst="rect">
-            <a:avLst/>
-          </a:prstGeom>
-          <a:solidFill>
-            <a:srgbClr val="B3B3B3"/>
-          </a:solidFill>
-        </p:spPr>
-        <p:txBody>
-          <a:bodyPr lIns="0" tIns="0" rIns="0" bIns="0" anchor="ctr" anchorCtr="0"/>
-          <a:lstStyle>
-            <a:lvl1pPr marL="0" indent="0" algn="ctr">
-              <a:buNone/>
-              <a:defRPr sz="1800">
-                <a:solidFill>
-                  <a:srgbClr val="000000"/>
-                </a:solidFill>
-                <a:latin typeface="Arial" panose="020B0604020202020204" pitchFamily="34" charset="0"/>
-                <a:cs typeface="Arial" panose="020B0604020202020204" pitchFamily="34" charset="0"/>
-              </a:defRPr>
-            </a:lvl1pPr>
-          </a:lstStyle>
-          <a:p>
-            <a:r>
-              <a:rPr lang="en-US"/>
-              <a:t>Click icon to add picture</a:t>
-            </a:r>
-          </a:p>
-        </p:txBody>
-      </p:sp>
-      <p:sp>
-        <p:nvSpPr>
-          <p:cNvPr id="15" name="Picture Placeholder 2">
-            <a:extLst>
-              <a:ext uri="{FF2B5EF4-FFF2-40B4-BE49-F238E27FC236}">
-                <a16:creationId xmlns:a16="http://schemas.microsoft.com/office/drawing/2014/main" id="{EEF5B44F-191D-F44D-8AB3-0B9E4AF4B4E2}"/>
-              </a:ext>
-            </a:extLst>
-          </p:cNvPr>
-          <p:cNvSpPr>
-            <a:spLocks noGrp="1"/>
-          </p:cNvSpPr>
-          <p:nvPr>
-            <p:ph type="pic" sz="quarter" idx="14"/>
-          </p:nvPr>
-        </p:nvSpPr>
-        <p:spPr>
-          <a:xfrm>
-            <a:off x="10266044" y="5213078"/>
-            <a:ext cx="3907155" cy="2559322"/>
-          </a:xfrm>
-          <a:prstGeom prst="rect">
-            <a:avLst/>
-          </a:prstGeom>
-          <a:solidFill>
-            <a:srgbClr val="B3B3B3"/>
-          </a:solidFill>
-        </p:spPr>
-        <p:txBody>
-          <a:bodyPr lIns="0" tIns="0" rIns="0" bIns="0" anchor="ctr" anchorCtr="0"/>
-          <a:lstStyle>
-            <a:lvl1pPr marL="0" indent="0" algn="ctr">
-              <a:buNone/>
-              <a:defRPr sz="1800">
-                <a:solidFill>
-                  <a:srgbClr val="000000"/>
-                </a:solidFill>
-                <a:latin typeface="Arial" panose="020B0604020202020204" pitchFamily="34" charset="0"/>
-                <a:cs typeface="Arial" panose="020B0604020202020204" pitchFamily="34" charset="0"/>
-              </a:defRPr>
-            </a:lvl1pPr>
-          </a:lstStyle>
-          <a:p>
-            <a:r>
-              <a:rPr lang="en-US"/>
-              <a:t>Click icon to add picture</a:t>
-            </a:r>
-          </a:p>
-        </p:txBody>
-      </p:sp>
-      <p:sp>
-        <p:nvSpPr>
-          <p:cNvPr id="16" name="Picture Placeholder 2">
-            <a:extLst>
-              <a:ext uri="{FF2B5EF4-FFF2-40B4-BE49-F238E27FC236}">
-                <a16:creationId xmlns:a16="http://schemas.microsoft.com/office/drawing/2014/main" id="{A26442AE-D905-374C-9CB4-1A1F44C08C61}"/>
-              </a:ext>
-            </a:extLst>
-          </p:cNvPr>
-          <p:cNvSpPr>
-            <a:spLocks noGrp="1"/>
-          </p:cNvSpPr>
-          <p:nvPr>
-            <p:ph type="pic" sz="quarter" idx="15"/>
-          </p:nvPr>
-        </p:nvSpPr>
-        <p:spPr>
-          <a:xfrm>
-            <a:off x="10266044" y="2219324"/>
-            <a:ext cx="3907155" cy="2562987"/>
-          </a:xfrm>
-          <a:prstGeom prst="rect">
-            <a:avLst/>
-          </a:prstGeom>
-          <a:solidFill>
-            <a:srgbClr val="B3B3B3"/>
-          </a:solidFill>
-        </p:spPr>
-        <p:txBody>
-          <a:bodyPr lIns="0" tIns="0" rIns="0" bIns="0" anchor="ctr" anchorCtr="0"/>
-          <a:lstStyle>
-            <a:lvl1pPr marL="0" indent="0" algn="ctr">
-              <a:buNone/>
-              <a:defRPr sz="1800">
-                <a:solidFill>
-                  <a:srgbClr val="000000"/>
-                </a:solidFill>
-                <a:latin typeface="Arial" panose="020B0604020202020204" pitchFamily="34" charset="0"/>
-                <a:cs typeface="Arial" panose="020B0604020202020204" pitchFamily="34" charset="0"/>
-              </a:defRPr>
-            </a:lvl1pPr>
-          </a:lstStyle>
-          <a:p>
-            <a:r>
-              <a:rPr lang="en-US"/>
-              <a:t>Click icon to add picture</a:t>
-            </a:r>
-          </a:p>
-        </p:txBody>
-      </p:sp>
-      <p:sp>
-        <p:nvSpPr>
-          <p:cNvPr id="17" name="Text Placeholder 5">
-            <a:extLst>
-              <a:ext uri="{FF2B5EF4-FFF2-40B4-BE49-F238E27FC236}">
-                <a16:creationId xmlns:a16="http://schemas.microsoft.com/office/drawing/2014/main" id="{CEBE105C-2ECB-0B46-923F-378B0A5AEBCB}"/>
-              </a:ext>
-            </a:extLst>
-          </p:cNvPr>
-          <p:cNvSpPr>
-            <a:spLocks noGrp="1"/>
-          </p:cNvSpPr>
-          <p:nvPr>
-            <p:ph type="body" sz="quarter" idx="16" hasCustomPrompt="1"/>
-          </p:nvPr>
-        </p:nvSpPr>
-        <p:spPr>
-          <a:xfrm>
-            <a:off x="1533524" y="4005648"/>
-            <a:ext cx="3907155" cy="776663"/>
-          </a:xfrm>
-          <a:prstGeom prst="rect">
-            <a:avLst/>
-          </a:prstGeom>
-          <a:gradFill>
-            <a:gsLst>
-              <a:gs pos="0">
-                <a:srgbClr val="000000">
-                  <a:alpha val="0"/>
-                </a:srgbClr>
-              </a:gs>
-              <a:gs pos="100000">
-                <a:srgbClr val="000000"/>
-              </a:gs>
-            </a:gsLst>
-            <a:lin ang="5400000" scaled="0"/>
-          </a:gradFill>
-        </p:spPr>
-        <p:txBody>
-          <a:bodyPr lIns="182880" tIns="182880" rIns="182880" bIns="182880" anchor="b" anchorCtr="0"/>
-          <a:lstStyle>
-            <a:lvl1pPr marL="0" indent="0">
-              <a:buNone/>
-              <a:defRPr sz="1500" b="1">
-                <a:solidFill>
-                  <a:schemeClr val="bg1"/>
-                </a:solidFill>
-                <a:latin typeface="Arial" panose="020B0604020202020204" pitchFamily="34" charset="0"/>
-                <a:cs typeface="Arial" panose="020B0604020202020204" pitchFamily="34" charset="0"/>
-              </a:defRPr>
-            </a:lvl1pPr>
-            <a:lvl2pPr marL="548640" indent="0">
-              <a:buNone/>
-              <a:defRPr sz="1400">
-                <a:latin typeface="Arial" panose="020B0604020202020204" pitchFamily="34" charset="0"/>
-                <a:cs typeface="Arial" panose="020B0604020202020204" pitchFamily="34" charset="0"/>
-              </a:defRPr>
-            </a:lvl2pPr>
-            <a:lvl3pPr marL="1097280" indent="0">
-              <a:buNone/>
-              <a:defRPr sz="1400">
-                <a:latin typeface="Arial" panose="020B0604020202020204" pitchFamily="34" charset="0"/>
-                <a:cs typeface="Arial" panose="020B0604020202020204" pitchFamily="34" charset="0"/>
-              </a:defRPr>
-            </a:lvl3pPr>
-            <a:lvl4pPr marL="1645920" indent="0">
-              <a:buNone/>
-              <a:defRPr sz="1400">
-                <a:latin typeface="Arial" panose="020B0604020202020204" pitchFamily="34" charset="0"/>
-                <a:cs typeface="Arial" panose="020B0604020202020204" pitchFamily="34" charset="0"/>
-              </a:defRPr>
-            </a:lvl4pPr>
-            <a:lvl5pPr marL="2194560" indent="0">
-              <a:buNone/>
-              <a:defRPr sz="1400">
-                <a:latin typeface="Arial" panose="020B0604020202020204" pitchFamily="34" charset="0"/>
-                <a:cs typeface="Arial" panose="020B0604020202020204" pitchFamily="34" charset="0"/>
-              </a:defRPr>
-            </a:lvl5pPr>
-          </a:lstStyle>
-          <a:p>
-            <a:pPr lvl="0"/>
-            <a:r>
-              <a:rPr lang="en-US" dirty="0"/>
-              <a:t>Click to insert image caption</a:t>
-            </a:r>
-          </a:p>
-        </p:txBody>
-      </p:sp>
-      <p:sp>
-        <p:nvSpPr>
-          <p:cNvPr id="19" name="Text Placeholder 5">
-            <a:extLst>
-              <a:ext uri="{FF2B5EF4-FFF2-40B4-BE49-F238E27FC236}">
-                <a16:creationId xmlns:a16="http://schemas.microsoft.com/office/drawing/2014/main" id="{8B0900D4-1543-834B-AE27-9A72FD91B398}"/>
-              </a:ext>
-            </a:extLst>
-          </p:cNvPr>
-          <p:cNvSpPr>
-            <a:spLocks noGrp="1"/>
-          </p:cNvSpPr>
-          <p:nvPr>
-            <p:ph type="body" sz="quarter" idx="17" hasCustomPrompt="1"/>
-          </p:nvPr>
-        </p:nvSpPr>
-        <p:spPr>
-          <a:xfrm>
-            <a:off x="1533524" y="6995736"/>
-            <a:ext cx="3907155" cy="776663"/>
-          </a:xfrm>
-          <a:prstGeom prst="rect">
-            <a:avLst/>
-          </a:prstGeom>
-          <a:gradFill>
-            <a:gsLst>
-              <a:gs pos="0">
-                <a:srgbClr val="000000">
-                  <a:alpha val="0"/>
-                </a:srgbClr>
-              </a:gs>
-              <a:gs pos="100000">
-                <a:srgbClr val="000000"/>
-              </a:gs>
-            </a:gsLst>
-            <a:lin ang="5400000" scaled="0"/>
-          </a:gradFill>
-        </p:spPr>
-        <p:txBody>
-          <a:bodyPr lIns="182880" tIns="182880" rIns="182880" bIns="182880" anchor="b" anchorCtr="0"/>
-          <a:lstStyle>
-            <a:lvl1pPr marL="0" indent="0">
-              <a:buNone/>
-              <a:defRPr sz="1500" b="1">
-                <a:solidFill>
-                  <a:schemeClr val="bg1"/>
-                </a:solidFill>
-                <a:latin typeface="Arial" panose="020B0604020202020204" pitchFamily="34" charset="0"/>
-                <a:cs typeface="Arial" panose="020B0604020202020204" pitchFamily="34" charset="0"/>
-              </a:defRPr>
-            </a:lvl1pPr>
-            <a:lvl2pPr marL="548640" indent="0">
-              <a:buNone/>
-              <a:defRPr sz="1400">
-                <a:latin typeface="Arial" panose="020B0604020202020204" pitchFamily="34" charset="0"/>
-                <a:cs typeface="Arial" panose="020B0604020202020204" pitchFamily="34" charset="0"/>
-              </a:defRPr>
-            </a:lvl2pPr>
-            <a:lvl3pPr marL="1097280" indent="0">
-              <a:buNone/>
-              <a:defRPr sz="1400">
-                <a:latin typeface="Arial" panose="020B0604020202020204" pitchFamily="34" charset="0"/>
-                <a:cs typeface="Arial" panose="020B0604020202020204" pitchFamily="34" charset="0"/>
-              </a:defRPr>
-            </a:lvl3pPr>
-            <a:lvl4pPr marL="1645920" indent="0">
-              <a:buNone/>
-              <a:defRPr sz="1400">
-                <a:latin typeface="Arial" panose="020B0604020202020204" pitchFamily="34" charset="0"/>
-                <a:cs typeface="Arial" panose="020B0604020202020204" pitchFamily="34" charset="0"/>
-              </a:defRPr>
-            </a:lvl4pPr>
-            <a:lvl5pPr marL="2194560" indent="0">
-              <a:buNone/>
-              <a:defRPr sz="1400">
-                <a:latin typeface="Arial" panose="020B0604020202020204" pitchFamily="34" charset="0"/>
-                <a:cs typeface="Arial" panose="020B0604020202020204" pitchFamily="34" charset="0"/>
-              </a:defRPr>
-            </a:lvl5pPr>
-          </a:lstStyle>
-          <a:p>
-            <a:pPr lvl="0"/>
-            <a:r>
-              <a:rPr lang="en-US" dirty="0"/>
-              <a:t>Click to insert image caption</a:t>
-            </a:r>
-          </a:p>
-        </p:txBody>
-      </p:sp>
-      <p:sp>
-        <p:nvSpPr>
-          <p:cNvPr id="20" name="Text Placeholder 5">
-            <a:extLst>
-              <a:ext uri="{FF2B5EF4-FFF2-40B4-BE49-F238E27FC236}">
-                <a16:creationId xmlns:a16="http://schemas.microsoft.com/office/drawing/2014/main" id="{F64FB6B4-B0C6-5949-9F2B-7BCB7B207394}"/>
-              </a:ext>
-            </a:extLst>
-          </p:cNvPr>
-          <p:cNvSpPr>
-            <a:spLocks noGrp="1"/>
-          </p:cNvSpPr>
-          <p:nvPr>
-            <p:ph type="body" sz="quarter" idx="18" hasCustomPrompt="1"/>
-          </p:nvPr>
-        </p:nvSpPr>
-        <p:spPr>
-          <a:xfrm>
-            <a:off x="5899784" y="4005648"/>
-            <a:ext cx="3907155" cy="776663"/>
-          </a:xfrm>
-          <a:prstGeom prst="rect">
-            <a:avLst/>
-          </a:prstGeom>
-          <a:gradFill>
-            <a:gsLst>
-              <a:gs pos="0">
-                <a:srgbClr val="000000">
-                  <a:alpha val="0"/>
-                </a:srgbClr>
-              </a:gs>
-              <a:gs pos="100000">
-                <a:srgbClr val="000000"/>
-              </a:gs>
-            </a:gsLst>
-            <a:lin ang="5400000" scaled="0"/>
-          </a:gradFill>
-        </p:spPr>
-        <p:txBody>
-          <a:bodyPr lIns="182880" tIns="182880" rIns="182880" bIns="182880" anchor="b" anchorCtr="0"/>
-          <a:lstStyle>
-            <a:lvl1pPr marL="0" indent="0">
-              <a:buNone/>
-              <a:defRPr sz="1500" b="1">
-                <a:solidFill>
-                  <a:schemeClr val="bg1"/>
-                </a:solidFill>
-                <a:latin typeface="Arial" panose="020B0604020202020204" pitchFamily="34" charset="0"/>
-                <a:cs typeface="Arial" panose="020B0604020202020204" pitchFamily="34" charset="0"/>
-              </a:defRPr>
-            </a:lvl1pPr>
-            <a:lvl2pPr marL="548640" indent="0">
-              <a:buNone/>
-              <a:defRPr sz="1400">
-                <a:latin typeface="Arial" panose="020B0604020202020204" pitchFamily="34" charset="0"/>
-                <a:cs typeface="Arial" panose="020B0604020202020204" pitchFamily="34" charset="0"/>
-              </a:defRPr>
-            </a:lvl2pPr>
-            <a:lvl3pPr marL="1097280" indent="0">
-              <a:buNone/>
-              <a:defRPr sz="1400">
-                <a:latin typeface="Arial" panose="020B0604020202020204" pitchFamily="34" charset="0"/>
-                <a:cs typeface="Arial" panose="020B0604020202020204" pitchFamily="34" charset="0"/>
-              </a:defRPr>
-            </a:lvl3pPr>
-            <a:lvl4pPr marL="1645920" indent="0">
-              <a:buNone/>
-              <a:defRPr sz="1400">
-                <a:latin typeface="Arial" panose="020B0604020202020204" pitchFamily="34" charset="0"/>
-                <a:cs typeface="Arial" panose="020B0604020202020204" pitchFamily="34" charset="0"/>
-              </a:defRPr>
-            </a:lvl4pPr>
-            <a:lvl5pPr marL="2194560" indent="0">
-              <a:buNone/>
-              <a:defRPr sz="1400">
-                <a:latin typeface="Arial" panose="020B0604020202020204" pitchFamily="34" charset="0"/>
-                <a:cs typeface="Arial" panose="020B0604020202020204" pitchFamily="34" charset="0"/>
-              </a:defRPr>
-            </a:lvl5pPr>
-          </a:lstStyle>
-          <a:p>
-            <a:pPr lvl="0"/>
-            <a:r>
-              <a:rPr lang="en-US" dirty="0"/>
-              <a:t>Click to insert image caption</a:t>
-            </a:r>
-          </a:p>
-        </p:txBody>
-      </p:sp>
-      <p:sp>
-        <p:nvSpPr>
-          <p:cNvPr id="21" name="Text Placeholder 5">
-            <a:extLst>
-              <a:ext uri="{FF2B5EF4-FFF2-40B4-BE49-F238E27FC236}">
-                <a16:creationId xmlns:a16="http://schemas.microsoft.com/office/drawing/2014/main" id="{8FDD81E0-346D-A544-A838-A6991588AE4C}"/>
-              </a:ext>
-            </a:extLst>
-          </p:cNvPr>
-          <p:cNvSpPr>
-            <a:spLocks noGrp="1"/>
-          </p:cNvSpPr>
-          <p:nvPr>
-            <p:ph type="body" sz="quarter" idx="19" hasCustomPrompt="1"/>
-          </p:nvPr>
-        </p:nvSpPr>
-        <p:spPr>
-          <a:xfrm>
-            <a:off x="5899784" y="6995736"/>
-            <a:ext cx="3907155" cy="776663"/>
-          </a:xfrm>
-          <a:prstGeom prst="rect">
-            <a:avLst/>
-          </a:prstGeom>
-          <a:gradFill>
-            <a:gsLst>
-              <a:gs pos="0">
-                <a:srgbClr val="000000">
-                  <a:alpha val="0"/>
-                </a:srgbClr>
-              </a:gs>
-              <a:gs pos="100000">
-                <a:srgbClr val="000000"/>
-              </a:gs>
-            </a:gsLst>
-            <a:lin ang="5400000" scaled="0"/>
-          </a:gradFill>
-        </p:spPr>
-        <p:txBody>
-          <a:bodyPr lIns="182880" tIns="182880" rIns="182880" bIns="182880" anchor="b" anchorCtr="0"/>
-          <a:lstStyle>
-            <a:lvl1pPr marL="0" indent="0">
-              <a:buNone/>
-              <a:defRPr sz="1500" b="1">
-                <a:solidFill>
-                  <a:schemeClr val="bg1"/>
-                </a:solidFill>
-                <a:latin typeface="Arial" panose="020B0604020202020204" pitchFamily="34" charset="0"/>
-                <a:cs typeface="Arial" panose="020B0604020202020204" pitchFamily="34" charset="0"/>
-              </a:defRPr>
-            </a:lvl1pPr>
-            <a:lvl2pPr marL="548640" indent="0">
-              <a:buNone/>
-              <a:defRPr sz="1400">
-                <a:latin typeface="Arial" panose="020B0604020202020204" pitchFamily="34" charset="0"/>
-                <a:cs typeface="Arial" panose="020B0604020202020204" pitchFamily="34" charset="0"/>
-              </a:defRPr>
-            </a:lvl2pPr>
-            <a:lvl3pPr marL="1097280" indent="0">
-              <a:buNone/>
-              <a:defRPr sz="1400">
-                <a:latin typeface="Arial" panose="020B0604020202020204" pitchFamily="34" charset="0"/>
-                <a:cs typeface="Arial" panose="020B0604020202020204" pitchFamily="34" charset="0"/>
-              </a:defRPr>
-            </a:lvl3pPr>
-            <a:lvl4pPr marL="1645920" indent="0">
-              <a:buNone/>
-              <a:defRPr sz="1400">
-                <a:latin typeface="Arial" panose="020B0604020202020204" pitchFamily="34" charset="0"/>
-                <a:cs typeface="Arial" panose="020B0604020202020204" pitchFamily="34" charset="0"/>
-              </a:defRPr>
-            </a:lvl4pPr>
-            <a:lvl5pPr marL="2194560" indent="0">
-              <a:buNone/>
-              <a:defRPr sz="1400">
-                <a:latin typeface="Arial" panose="020B0604020202020204" pitchFamily="34" charset="0"/>
-                <a:cs typeface="Arial" panose="020B0604020202020204" pitchFamily="34" charset="0"/>
-              </a:defRPr>
-            </a:lvl5pPr>
-          </a:lstStyle>
-          <a:p>
-            <a:pPr lvl="0"/>
-            <a:r>
-              <a:rPr lang="en-US" dirty="0"/>
-              <a:t>Click to insert image caption</a:t>
-            </a:r>
-          </a:p>
-        </p:txBody>
-      </p:sp>
-      <p:sp>
-        <p:nvSpPr>
-          <p:cNvPr id="22" name="Text Placeholder 5">
-            <a:extLst>
-              <a:ext uri="{FF2B5EF4-FFF2-40B4-BE49-F238E27FC236}">
-                <a16:creationId xmlns:a16="http://schemas.microsoft.com/office/drawing/2014/main" id="{CDB91CB5-0E93-FA44-9508-60493542C74C}"/>
-              </a:ext>
-            </a:extLst>
-          </p:cNvPr>
-          <p:cNvSpPr>
-            <a:spLocks noGrp="1"/>
-          </p:cNvSpPr>
-          <p:nvPr>
-            <p:ph type="body" sz="quarter" idx="20" hasCustomPrompt="1"/>
-          </p:nvPr>
-        </p:nvSpPr>
-        <p:spPr>
-          <a:xfrm>
-            <a:off x="10266044" y="4005648"/>
-            <a:ext cx="3907155" cy="776663"/>
-          </a:xfrm>
-          <a:prstGeom prst="rect">
-            <a:avLst/>
-          </a:prstGeom>
-          <a:gradFill>
-            <a:gsLst>
-              <a:gs pos="0">
-                <a:srgbClr val="000000">
-                  <a:alpha val="0"/>
-                </a:srgbClr>
-              </a:gs>
-              <a:gs pos="100000">
-                <a:srgbClr val="000000"/>
-              </a:gs>
-            </a:gsLst>
-            <a:lin ang="5400000" scaled="0"/>
-          </a:gradFill>
-        </p:spPr>
-        <p:txBody>
-          <a:bodyPr lIns="182880" tIns="182880" rIns="182880" bIns="182880" anchor="b" anchorCtr="0"/>
-          <a:lstStyle>
-            <a:lvl1pPr marL="0" indent="0">
-              <a:buNone/>
-              <a:defRPr sz="1500" b="1">
-                <a:solidFill>
-                  <a:schemeClr val="bg1"/>
-                </a:solidFill>
-                <a:latin typeface="Arial" panose="020B0604020202020204" pitchFamily="34" charset="0"/>
-                <a:cs typeface="Arial" panose="020B0604020202020204" pitchFamily="34" charset="0"/>
-              </a:defRPr>
-            </a:lvl1pPr>
-            <a:lvl2pPr marL="548640" indent="0">
-              <a:buNone/>
-              <a:defRPr sz="1400">
-                <a:latin typeface="Arial" panose="020B0604020202020204" pitchFamily="34" charset="0"/>
-                <a:cs typeface="Arial" panose="020B0604020202020204" pitchFamily="34" charset="0"/>
-              </a:defRPr>
-            </a:lvl2pPr>
-            <a:lvl3pPr marL="1097280" indent="0">
-              <a:buNone/>
-              <a:defRPr sz="1400">
-                <a:latin typeface="Arial" panose="020B0604020202020204" pitchFamily="34" charset="0"/>
-                <a:cs typeface="Arial" panose="020B0604020202020204" pitchFamily="34" charset="0"/>
-              </a:defRPr>
-            </a:lvl3pPr>
-            <a:lvl4pPr marL="1645920" indent="0">
-              <a:buNone/>
-              <a:defRPr sz="1400">
-                <a:latin typeface="Arial" panose="020B0604020202020204" pitchFamily="34" charset="0"/>
-                <a:cs typeface="Arial" panose="020B0604020202020204" pitchFamily="34" charset="0"/>
-              </a:defRPr>
-            </a:lvl4pPr>
-            <a:lvl5pPr marL="2194560" indent="0">
-              <a:buNone/>
-              <a:defRPr sz="1400">
-                <a:latin typeface="Arial" panose="020B0604020202020204" pitchFamily="34" charset="0"/>
-                <a:cs typeface="Arial" panose="020B0604020202020204" pitchFamily="34" charset="0"/>
-              </a:defRPr>
-            </a:lvl5pPr>
-          </a:lstStyle>
-          <a:p>
-            <a:pPr lvl="0"/>
-            <a:r>
-              <a:rPr lang="en-US" dirty="0"/>
-              <a:t>Click to insert image caption</a:t>
-            </a:r>
-          </a:p>
-        </p:txBody>
-      </p:sp>
-      <p:sp>
-        <p:nvSpPr>
-          <p:cNvPr id="23" name="Text Placeholder 5">
-            <a:extLst>
-              <a:ext uri="{FF2B5EF4-FFF2-40B4-BE49-F238E27FC236}">
-                <a16:creationId xmlns:a16="http://schemas.microsoft.com/office/drawing/2014/main" id="{92F736B8-F799-F047-BE4E-297E64A7549C}"/>
-              </a:ext>
-            </a:extLst>
-          </p:cNvPr>
-          <p:cNvSpPr>
-            <a:spLocks noGrp="1"/>
-          </p:cNvSpPr>
-          <p:nvPr>
-            <p:ph type="body" sz="quarter" idx="21" hasCustomPrompt="1"/>
-          </p:nvPr>
-        </p:nvSpPr>
-        <p:spPr>
-          <a:xfrm>
-            <a:off x="10266044" y="6995736"/>
-            <a:ext cx="3907155" cy="776663"/>
-          </a:xfrm>
-          <a:prstGeom prst="rect">
-            <a:avLst/>
-          </a:prstGeom>
-          <a:gradFill>
-            <a:gsLst>
-              <a:gs pos="0">
-                <a:srgbClr val="000000">
-                  <a:alpha val="0"/>
-                </a:srgbClr>
-              </a:gs>
-              <a:gs pos="100000">
-                <a:srgbClr val="000000"/>
-              </a:gs>
-            </a:gsLst>
-            <a:lin ang="5400000" scaled="0"/>
-          </a:gradFill>
-        </p:spPr>
-        <p:txBody>
-          <a:bodyPr lIns="182880" tIns="182880" rIns="182880" bIns="182880" anchor="b" anchorCtr="0"/>
-          <a:lstStyle>
-            <a:lvl1pPr marL="0" indent="0">
-              <a:buNone/>
-              <a:defRPr sz="1500" b="1">
-                <a:solidFill>
-                  <a:schemeClr val="bg1"/>
-                </a:solidFill>
-                <a:latin typeface="Arial" panose="020B0604020202020204" pitchFamily="34" charset="0"/>
-                <a:cs typeface="Arial" panose="020B0604020202020204" pitchFamily="34" charset="0"/>
-              </a:defRPr>
-            </a:lvl1pPr>
-            <a:lvl2pPr marL="548640" indent="0">
-              <a:buNone/>
-              <a:defRPr sz="1400">
-                <a:latin typeface="Arial" panose="020B0604020202020204" pitchFamily="34" charset="0"/>
-                <a:cs typeface="Arial" panose="020B0604020202020204" pitchFamily="34" charset="0"/>
-              </a:defRPr>
-            </a:lvl2pPr>
-            <a:lvl3pPr marL="1097280" indent="0">
-              <a:buNone/>
-              <a:defRPr sz="1400">
-                <a:latin typeface="Arial" panose="020B0604020202020204" pitchFamily="34" charset="0"/>
-                <a:cs typeface="Arial" panose="020B0604020202020204" pitchFamily="34" charset="0"/>
-              </a:defRPr>
-            </a:lvl3pPr>
-            <a:lvl4pPr marL="1645920" indent="0">
-              <a:buNone/>
-              <a:defRPr sz="1400">
-                <a:latin typeface="Arial" panose="020B0604020202020204" pitchFamily="34" charset="0"/>
-                <a:cs typeface="Arial" panose="020B0604020202020204" pitchFamily="34" charset="0"/>
-              </a:defRPr>
-            </a:lvl4pPr>
-            <a:lvl5pPr marL="2194560" indent="0">
-              <a:buNone/>
-              <a:defRPr sz="1400">
-                <a:latin typeface="Arial" panose="020B0604020202020204" pitchFamily="34" charset="0"/>
-                <a:cs typeface="Arial" panose="020B0604020202020204" pitchFamily="34" charset="0"/>
-              </a:defRPr>
-            </a:lvl5pPr>
-          </a:lstStyle>
-          <a:p>
-            <a:pPr lvl="0"/>
-            <a:r>
-              <a:rPr lang="en-US" dirty="0"/>
-              <a:t>Click to insert image caption</a:t>
-            </a:r>
-          </a:p>
-        </p:txBody>
-      </p:sp>
-      <p:sp>
-        <p:nvSpPr>
           <p:cNvPr id="2" name="Slide Number Placeholder 3">
             <a:extLst>
               <a:ext uri="{FF2B5EF4-FFF2-40B4-BE49-F238E27FC236}">
@@ -7978,7 +7093,7 @@
             <a:fld id="{9B7EE7B1-A6C1-4E39-8665-A73ED03F32E1}" type="datetimeFigureOut">
               <a:rPr lang="en-US" smtClean="0"/>
               <a:pPr/>
-              <a:t>7/11/23</a:t>
+              <a:t>7/13/23</a:t>
             </a:fld>
             <a:endParaRPr lang="en-US" dirty="0"/>
           </a:p>
@@ -8073,8 +7188,8 @@
         </p:nvSpPr>
         <p:spPr>
           <a:xfrm>
-            <a:off x="1466492" y="1002493"/>
-            <a:ext cx="9458683" cy="984653"/>
+            <a:off x="2088576" y="2903767"/>
+            <a:ext cx="10453247" cy="2422066"/>
           </a:xfrm>
           <a:prstGeom prst="rect">
             <a:avLst/>
@@ -8084,9 +7199,9 @@
           <a:bodyPr lIns="0" anchor="b"/>
           <a:lstStyle>
             <a:lvl1pPr>
-              <a:defRPr lang="en-US" sz="3600" b="1" kern="1200" dirty="0">
+              <a:defRPr lang="en-US" sz="6600" b="1" kern="1200" dirty="0">
                 <a:solidFill>
-                  <a:schemeClr val="bg1"/>
+                  <a:schemeClr val="tx1"/>
                 </a:solidFill>
                 <a:latin typeface="Arial" panose="020B0604020202020204" pitchFamily="34" charset="0"/>
                 <a:ea typeface="+mn-ea"/>
@@ -8399,7 +7514,7 @@
             <a:fld id="{9B7EE7B1-A6C1-4E39-8665-A73ED03F32E1}" type="datetimeFigureOut">
               <a:rPr lang="en-US" smtClean="0"/>
               <a:pPr/>
-              <a:t>7/11/23</a:t>
+              <a:t>7/13/23</a:t>
             </a:fld>
             <a:endParaRPr lang="en-US" dirty="0"/>
           </a:p>
@@ -8464,8 +7579,8 @@
         </p:nvSpPr>
         <p:spPr>
           <a:xfrm>
-            <a:off x="1466493" y="2057399"/>
-            <a:ext cx="5848708" cy="5486401"/>
+            <a:off x="1466493" y="2814452"/>
+            <a:ext cx="5848708" cy="4729348"/>
           </a:xfrm>
           <a:prstGeom prst="rect">
             <a:avLst/>
@@ -8581,8 +7696,8 @@
         </p:nvSpPr>
         <p:spPr>
           <a:xfrm>
-            <a:off x="7779054" y="2057399"/>
-            <a:ext cx="6215242" cy="5486401"/>
+            <a:off x="7779054" y="2814452"/>
+            <a:ext cx="6215242" cy="4729348"/>
           </a:xfrm>
           <a:prstGeom prst="rect">
             <a:avLst/>
@@ -8723,6 +7838,136 @@
             <a:r>
               <a:rPr lang="en-US" dirty="0"/>
               <a:t>Click to edit slide title</a:t>
+            </a:r>
+          </a:p>
+        </p:txBody>
+      </p:sp>
+      <p:sp>
+        <p:nvSpPr>
+          <p:cNvPr id="15" name="Text Placeholder 14">
+            <a:extLst>
+              <a:ext uri="{FF2B5EF4-FFF2-40B4-BE49-F238E27FC236}">
+                <a16:creationId xmlns:a16="http://schemas.microsoft.com/office/drawing/2014/main" id="{6D96590F-1A05-1E4A-C7EE-7FD17FF7A797}"/>
+              </a:ext>
+            </a:extLst>
+          </p:cNvPr>
+          <p:cNvSpPr>
+            <a:spLocks noGrp="1"/>
+          </p:cNvSpPr>
+          <p:nvPr>
+            <p:ph type="body" sz="quarter" idx="22"/>
+          </p:nvPr>
+        </p:nvSpPr>
+        <p:spPr>
+          <a:xfrm>
+            <a:off x="1466850" y="2216150"/>
+            <a:ext cx="5848350" cy="598488"/>
+          </a:xfrm>
+          <a:prstGeom prst="rect">
+            <a:avLst/>
+          </a:prstGeom>
+        </p:spPr>
+        <p:txBody>
+          <a:bodyPr/>
+          <a:lstStyle/>
+          <a:p>
+            <a:pPr lvl="0"/>
+            <a:r>
+              <a:rPr lang="en-US"/>
+              <a:t>Click to edit Master text styles</a:t>
+            </a:r>
+          </a:p>
+          <a:p>
+            <a:pPr lvl="1"/>
+            <a:r>
+              <a:rPr lang="en-US"/>
+              <a:t>Second level</a:t>
+            </a:r>
+          </a:p>
+          <a:p>
+            <a:pPr lvl="2"/>
+            <a:r>
+              <a:rPr lang="en-US"/>
+              <a:t>Third level</a:t>
+            </a:r>
+          </a:p>
+          <a:p>
+            <a:pPr lvl="3"/>
+            <a:r>
+              <a:rPr lang="en-US"/>
+              <a:t>Fourth level</a:t>
+            </a:r>
+          </a:p>
+          <a:p>
+            <a:pPr lvl="4"/>
+            <a:r>
+              <a:rPr lang="en-US"/>
+              <a:t>Fifth level</a:t>
+            </a:r>
+          </a:p>
+        </p:txBody>
+      </p:sp>
+      <p:sp>
+        <p:nvSpPr>
+          <p:cNvPr id="16" name="Text Placeholder 14">
+            <a:extLst>
+              <a:ext uri="{FF2B5EF4-FFF2-40B4-BE49-F238E27FC236}">
+                <a16:creationId xmlns:a16="http://schemas.microsoft.com/office/drawing/2014/main" id="{83FD8A8D-B2BD-3468-E193-991CD4321792}"/>
+              </a:ext>
+            </a:extLst>
+          </p:cNvPr>
+          <p:cNvSpPr>
+            <a:spLocks noGrp="1"/>
+          </p:cNvSpPr>
+          <p:nvPr>
+            <p:ph type="body" sz="quarter" idx="23"/>
+          </p:nvPr>
+        </p:nvSpPr>
+        <p:spPr>
+          <a:xfrm>
+            <a:off x="7779054" y="2172609"/>
+            <a:ext cx="5848350" cy="598488"/>
+          </a:xfrm>
+          <a:prstGeom prst="rect">
+            <a:avLst/>
+          </a:prstGeom>
+        </p:spPr>
+        <p:txBody>
+          <a:bodyPr/>
+          <a:lstStyle/>
+          <a:p>
+            <a:pPr lvl="0"/>
+            <a:r>
+              <a:rPr lang="en-US"/>
+              <a:t>Click to edit Master text styles</a:t>
+            </a:r>
+          </a:p>
+          <a:p>
+            <a:pPr lvl="1"/>
+            <a:r>
+              <a:rPr lang="en-US"/>
+              <a:t>Second level</a:t>
+            </a:r>
+          </a:p>
+          <a:p>
+            <a:pPr lvl="2"/>
+            <a:r>
+              <a:rPr lang="en-US"/>
+              <a:t>Third level</a:t>
+            </a:r>
+          </a:p>
+          <a:p>
+            <a:pPr lvl="3"/>
+            <a:r>
+              <a:rPr lang="en-US"/>
+              <a:t>Fourth level</a:t>
+            </a:r>
+          </a:p>
+          <a:p>
+            <a:pPr lvl="4"/>
+            <a:r>
+              <a:rPr lang="en-US"/>
+              <a:t>Fifth level</a:t>
             </a:r>
           </a:p>
         </p:txBody>
@@ -9004,7 +8249,7 @@
             <a:fld id="{9B7EE7B1-A6C1-4E39-8665-A73ED03F32E1}" type="datetimeFigureOut">
               <a:rPr lang="en-US" smtClean="0"/>
               <a:pPr/>
-              <a:t>7/11/23</a:t>
+              <a:t>7/13/23</a:t>
             </a:fld>
             <a:endParaRPr lang="en-US" dirty="0"/>
           </a:p>
@@ -9393,7 +8638,7 @@
             <a:fld id="{9B7EE7B1-A6C1-4E39-8665-A73ED03F32E1}" type="datetimeFigureOut">
               <a:rPr lang="en-US" smtClean="0"/>
               <a:pPr/>
-              <a:t>7/11/23</a:t>
+              <a:t>7/13/23</a:t>
             </a:fld>
             <a:endParaRPr lang="en-US" dirty="0"/>
           </a:p>
@@ -10998,10 +10243,18 @@
             <a:spLocks noGrp="1"/>
           </p:cNvSpPr>
           <p:nvPr>
-            <p:ph type="pic" sz="quarter" idx="10"/>
-          </p:nvPr>
-        </p:nvSpPr>
-        <p:spPr/>
+            <p:ph type="pic" sz="quarter" idx="4294967295"/>
+          </p:nvPr>
+        </p:nvSpPr>
+        <p:spPr>
+          <a:xfrm>
+            <a:off x="1533524" y="5213078"/>
+            <a:ext cx="3907155" cy="2559322"/>
+          </a:xfrm>
+          <a:prstGeom prst="rect">
+            <a:avLst/>
+          </a:prstGeom>
+        </p:spPr>
       </p:sp>
       <p:sp>
         <p:nvSpPr>
@@ -11016,10 +10269,18 @@
             <a:spLocks noGrp="1"/>
           </p:cNvSpPr>
           <p:nvPr>
-            <p:ph type="pic" sz="quarter" idx="11"/>
-          </p:nvPr>
-        </p:nvSpPr>
-        <p:spPr/>
+            <p:ph type="pic" sz="quarter" idx="4294967295"/>
+          </p:nvPr>
+        </p:nvSpPr>
+        <p:spPr>
+          <a:xfrm>
+            <a:off x="1533524" y="2219324"/>
+            <a:ext cx="3907155" cy="2562987"/>
+          </a:xfrm>
+          <a:prstGeom prst="rect">
+            <a:avLst/>
+          </a:prstGeom>
+        </p:spPr>
       </p:sp>
       <p:sp>
         <p:nvSpPr>
@@ -11034,10 +10295,18 @@
             <a:spLocks noGrp="1"/>
           </p:cNvSpPr>
           <p:nvPr>
-            <p:ph type="pic" sz="quarter" idx="12"/>
-          </p:nvPr>
-        </p:nvSpPr>
-        <p:spPr/>
+            <p:ph type="pic" sz="quarter" idx="4294967295"/>
+          </p:nvPr>
+        </p:nvSpPr>
+        <p:spPr>
+          <a:xfrm>
+            <a:off x="5899784" y="5213078"/>
+            <a:ext cx="3907155" cy="2559322"/>
+          </a:xfrm>
+          <a:prstGeom prst="rect">
+            <a:avLst/>
+          </a:prstGeom>
+        </p:spPr>
       </p:sp>
       <p:sp>
         <p:nvSpPr>
@@ -11052,10 +10321,18 @@
             <a:spLocks noGrp="1"/>
           </p:cNvSpPr>
           <p:nvPr>
-            <p:ph type="pic" sz="quarter" idx="13"/>
-          </p:nvPr>
-        </p:nvSpPr>
-        <p:spPr/>
+            <p:ph type="pic" sz="quarter" idx="4294967295"/>
+          </p:nvPr>
+        </p:nvSpPr>
+        <p:spPr>
+          <a:xfrm>
+            <a:off x="5899784" y="2219324"/>
+            <a:ext cx="3907155" cy="2562987"/>
+          </a:xfrm>
+          <a:prstGeom prst="rect">
+            <a:avLst/>
+          </a:prstGeom>
+        </p:spPr>
       </p:sp>
       <p:sp>
         <p:nvSpPr>
@@ -11070,10 +10347,18 @@
             <a:spLocks noGrp="1"/>
           </p:cNvSpPr>
           <p:nvPr>
-            <p:ph type="pic" sz="quarter" idx="14"/>
-          </p:nvPr>
-        </p:nvSpPr>
-        <p:spPr/>
+            <p:ph type="pic" sz="quarter" idx="4294967295"/>
+          </p:nvPr>
+        </p:nvSpPr>
+        <p:spPr>
+          <a:xfrm>
+            <a:off x="10266044" y="5213078"/>
+            <a:ext cx="3907155" cy="2559322"/>
+          </a:xfrm>
+          <a:prstGeom prst="rect">
+            <a:avLst/>
+          </a:prstGeom>
+        </p:spPr>
       </p:sp>
       <p:sp>
         <p:nvSpPr>
@@ -11088,10 +10373,18 @@
             <a:spLocks noGrp="1"/>
           </p:cNvSpPr>
           <p:nvPr>
-            <p:ph type="pic" sz="quarter" idx="15"/>
-          </p:nvPr>
-        </p:nvSpPr>
-        <p:spPr/>
+            <p:ph type="pic" sz="quarter" idx="4294967295"/>
+          </p:nvPr>
+        </p:nvSpPr>
+        <p:spPr>
+          <a:xfrm>
+            <a:off x="10266044" y="2219324"/>
+            <a:ext cx="3907155" cy="2562987"/>
+          </a:xfrm>
+          <a:prstGeom prst="rect">
+            <a:avLst/>
+          </a:prstGeom>
+        </p:spPr>
       </p:sp>
       <p:sp>
         <p:nvSpPr>
@@ -11106,10 +10399,18 @@
             <a:spLocks noGrp="1"/>
           </p:cNvSpPr>
           <p:nvPr>
-            <p:ph type="body" sz="quarter" idx="16"/>
-          </p:nvPr>
-        </p:nvSpPr>
-        <p:spPr/>
+            <p:ph type="body" sz="quarter" idx="4294967295"/>
+          </p:nvPr>
+        </p:nvSpPr>
+        <p:spPr>
+          <a:xfrm>
+            <a:off x="1533524" y="4005648"/>
+            <a:ext cx="3907155" cy="776663"/>
+          </a:xfrm>
+          <a:prstGeom prst="rect">
+            <a:avLst/>
+          </a:prstGeom>
+        </p:spPr>
         <p:txBody>
           <a:bodyPr/>
           <a:lstStyle/>
@@ -11131,10 +10432,18 @@
             <a:spLocks noGrp="1"/>
           </p:cNvSpPr>
           <p:nvPr>
-            <p:ph type="body" sz="quarter" idx="17"/>
-          </p:nvPr>
-        </p:nvSpPr>
-        <p:spPr/>
+            <p:ph type="body" sz="quarter" idx="4294967295"/>
+          </p:nvPr>
+        </p:nvSpPr>
+        <p:spPr>
+          <a:xfrm>
+            <a:off x="1533524" y="6995736"/>
+            <a:ext cx="3907155" cy="776663"/>
+          </a:xfrm>
+          <a:prstGeom prst="rect">
+            <a:avLst/>
+          </a:prstGeom>
+        </p:spPr>
         <p:txBody>
           <a:bodyPr/>
           <a:lstStyle/>
@@ -11156,10 +10465,18 @@
             <a:spLocks noGrp="1"/>
           </p:cNvSpPr>
           <p:nvPr>
-            <p:ph type="body" sz="quarter" idx="18"/>
-          </p:nvPr>
-        </p:nvSpPr>
-        <p:spPr/>
+            <p:ph type="body" sz="quarter" idx="4294967295"/>
+          </p:nvPr>
+        </p:nvSpPr>
+        <p:spPr>
+          <a:xfrm>
+            <a:off x="5899784" y="4005648"/>
+            <a:ext cx="3907155" cy="776663"/>
+          </a:xfrm>
+          <a:prstGeom prst="rect">
+            <a:avLst/>
+          </a:prstGeom>
+        </p:spPr>
         <p:txBody>
           <a:bodyPr/>
           <a:lstStyle/>
@@ -11181,10 +10498,18 @@
             <a:spLocks noGrp="1"/>
           </p:cNvSpPr>
           <p:nvPr>
-            <p:ph type="body" sz="quarter" idx="19"/>
-          </p:nvPr>
-        </p:nvSpPr>
-        <p:spPr/>
+            <p:ph type="body" sz="quarter" idx="4294967295"/>
+          </p:nvPr>
+        </p:nvSpPr>
+        <p:spPr>
+          <a:xfrm>
+            <a:off x="5899784" y="6995736"/>
+            <a:ext cx="3907155" cy="776663"/>
+          </a:xfrm>
+          <a:prstGeom prst="rect">
+            <a:avLst/>
+          </a:prstGeom>
+        </p:spPr>
         <p:txBody>
           <a:bodyPr/>
           <a:lstStyle/>
@@ -11206,10 +10531,18 @@
             <a:spLocks noGrp="1"/>
           </p:cNvSpPr>
           <p:nvPr>
-            <p:ph type="body" sz="quarter" idx="20"/>
-          </p:nvPr>
-        </p:nvSpPr>
-        <p:spPr/>
+            <p:ph type="body" sz="quarter" idx="4294967295"/>
+          </p:nvPr>
+        </p:nvSpPr>
+        <p:spPr>
+          <a:xfrm>
+            <a:off x="10266044" y="4005648"/>
+            <a:ext cx="3907155" cy="776663"/>
+          </a:xfrm>
+          <a:prstGeom prst="rect">
+            <a:avLst/>
+          </a:prstGeom>
+        </p:spPr>
         <p:txBody>
           <a:bodyPr/>
           <a:lstStyle/>
@@ -11231,10 +10564,18 @@
             <a:spLocks noGrp="1"/>
           </p:cNvSpPr>
           <p:nvPr>
-            <p:ph type="body" sz="quarter" idx="21"/>
-          </p:nvPr>
-        </p:nvSpPr>
-        <p:spPr/>
+            <p:ph type="body" sz="quarter" idx="4294967295"/>
+          </p:nvPr>
+        </p:nvSpPr>
+        <p:spPr>
+          <a:xfrm>
+            <a:off x="10266044" y="6995736"/>
+            <a:ext cx="3907155" cy="776663"/>
+          </a:xfrm>
+          <a:prstGeom prst="rect">
+            <a:avLst/>
+          </a:prstGeom>
+        </p:spPr>
         <p:txBody>
           <a:bodyPr/>
           <a:lstStyle/>
@@ -11353,10 +10694,18 @@
             <a:spLocks noGrp="1"/>
           </p:cNvSpPr>
           <p:nvPr>
-            <p:ph type="pic" sz="quarter" idx="10"/>
-          </p:nvPr>
-        </p:nvSpPr>
-        <p:spPr/>
+            <p:ph type="pic" sz="quarter" idx="4294967295"/>
+          </p:nvPr>
+        </p:nvSpPr>
+        <p:spPr>
+          <a:xfrm>
+            <a:off x="6400800" y="457200"/>
+            <a:ext cx="7772400" cy="7315200"/>
+          </a:xfrm>
+          <a:prstGeom prst="rect">
+            <a:avLst/>
+          </a:prstGeom>
+        </p:spPr>
       </p:sp>
       <p:sp>
         <p:nvSpPr>
@@ -12361,6 +11710,24 @@
 </file>
 
 <file path=customXml/item2.xml><?xml version="1.0" encoding="utf-8"?>
+<p:properties xmlns:p="http://schemas.microsoft.com/office/2006/metadata/properties" xmlns:xsi="http://www.w3.org/2001/XMLSchema-instance" xmlns:pc="http://schemas.microsoft.com/office/infopath/2007/PartnerControls">
+  <documentManagement>
+    <TaxCatchAll xmlns="5cece13e-3376-4417-9525-be60b11a89a8" xsi:nil="true"/>
+    <lcf76f155ced4ddcb4097134ff3c332f xmlns="a2399f9e-f70d-4dd1-85fd-f8d0e48b7fb2">
+      <Terms xmlns="http://schemas.microsoft.com/office/infopath/2007/PartnerControls"/>
+    </lcf76f155ced4ddcb4097134ff3c332f>
+    <SharedWithUsers xmlns="ba666acb-b9bd-4302-aecd-76a6448eddb5">
+      <UserInfo>
+        <DisplayName>Cameron Rutherford</DisplayName>
+        <AccountId>112</AccountId>
+        <AccountType/>
+      </UserInfo>
+    </SharedWithUsers>
+  </documentManagement>
+</p:properties>
+</file>
+
+<file path=customXml/item3.xml><?xml version="1.0" encoding="utf-8"?>
 <ct:contentTypeSchema xmlns:ct="http://schemas.microsoft.com/office/2006/metadata/contentType" xmlns:ma="http://schemas.microsoft.com/office/2006/metadata/properties/metaAttributes" ct:_="" ma:_="" ma:contentTypeName="Document" ma:contentTypeID="0x010100E6EA38DA44339A4883E548521AFF88DA" ma:contentTypeVersion="13" ma:contentTypeDescription="Create a new document." ma:contentTypeScope="" ma:versionID="3e9e25bee33929232191dad7f28bed7a">
   <xsd:schema xmlns:xsd="http://www.w3.org/2001/XMLSchema" xmlns:xs="http://www.w3.org/2001/XMLSchema" xmlns:p="http://schemas.microsoft.com/office/2006/metadata/properties" xmlns:ns2="ba666acb-b9bd-4302-aecd-76a6448eddb5" xmlns:ns3="a2399f9e-f70d-4dd1-85fd-f8d0e48b7fb2" xmlns:ns4="5cece13e-3376-4417-9525-be60b11a89a8" targetNamespace="http://schemas.microsoft.com/office/2006/metadata/properties" ma:root="true" ma:fieldsID="451dbac18583f50aed082c82e6b7dae8" ns2:_="" ns3:_="" ns4:_="">
     <xsd:import namespace="ba666acb-b9bd-4302-aecd-76a6448eddb5"/>
@@ -12582,24 +11949,6 @@
 </ct:contentTypeSchema>
 </file>
 
-<file path=customXml/item3.xml><?xml version="1.0" encoding="utf-8"?>
-<p:properties xmlns:p="http://schemas.microsoft.com/office/2006/metadata/properties" xmlns:xsi="http://www.w3.org/2001/XMLSchema-instance" xmlns:pc="http://schemas.microsoft.com/office/infopath/2007/PartnerControls">
-  <documentManagement>
-    <TaxCatchAll xmlns="5cece13e-3376-4417-9525-be60b11a89a8" xsi:nil="true"/>
-    <lcf76f155ced4ddcb4097134ff3c332f xmlns="a2399f9e-f70d-4dd1-85fd-f8d0e48b7fb2">
-      <Terms xmlns="http://schemas.microsoft.com/office/infopath/2007/PartnerControls"/>
-    </lcf76f155ced4ddcb4097134ff3c332f>
-    <SharedWithUsers xmlns="ba666acb-b9bd-4302-aecd-76a6448eddb5">
-      <UserInfo>
-        <DisplayName>Cameron Rutherford</DisplayName>
-        <AccountId>112</AccountId>
-        <AccountType/>
-      </UserInfo>
-    </SharedWithUsers>
-  </documentManagement>
-</p:properties>
-</file>
-
 <file path=customXml/itemProps1.xml><?xml version="1.0" encoding="utf-8"?>
 <ds:datastoreItem xmlns:ds="http://schemas.openxmlformats.org/officeDocument/2006/customXml" ds:itemID="{9A4B2366-0886-471D-98E3-54D0D42575E2}">
   <ds:schemaRefs>
@@ -12609,6 +11958,26 @@
 </file>
 
 <file path=customXml/itemProps2.xml><?xml version="1.0" encoding="utf-8"?>
+<ds:datastoreItem xmlns:ds="http://schemas.openxmlformats.org/officeDocument/2006/customXml" ds:itemID="{2C7807D1-0001-4B71-AB81-1D049869F5D7}">
+  <ds:schemaRefs>
+    <ds:schemaRef ds:uri="http://www.w3.org/XML/1998/namespace"/>
+    <ds:schemaRef ds:uri="http://schemas.microsoft.com/office/2006/documentManagement/types"/>
+    <ds:schemaRef ds:uri="http://schemas.microsoft.com/office/2006/metadata/properties"/>
+    <ds:schemaRef ds:uri="c72cf39f-c3f5-4eb9-a8e5-9b49cf2dc8b5"/>
+    <ds:schemaRef ds:uri="http://purl.org/dc/terms/"/>
+    <ds:schemaRef ds:uri="http://schemas.microsoft.com/office/infopath/2007/PartnerControls"/>
+    <ds:schemaRef ds:uri="http://purl.org/dc/elements/1.1/"/>
+    <ds:schemaRef ds:uri="http://schemas.openxmlformats.org/package/2006/metadata/core-properties"/>
+    <ds:schemaRef ds:uri="http://purl.org/dc/dcmitype/"/>
+    <ds:schemaRef ds:uri="0c9ef302-d0f5-41b8-916b-4c6700c22d76"/>
+    <ds:schemaRef ds:uri="5cece13e-3376-4417-9525-be60b11a89a8"/>
+    <ds:schemaRef ds:uri="a2399f9e-f70d-4dd1-85fd-f8d0e48b7fb2"/>
+    <ds:schemaRef ds:uri="ba666acb-b9bd-4302-aecd-76a6448eddb5"/>
+  </ds:schemaRefs>
+</ds:datastoreItem>
+</file>
+
+<file path=customXml/itemProps3.xml><?xml version="1.0" encoding="utf-8"?>
 <ds:datastoreItem xmlns:ds="http://schemas.openxmlformats.org/officeDocument/2006/customXml" ds:itemID="{BF1E2889-019B-457F-BE65-4A4E8203FAFD}">
   <ds:schemaRefs>
     <ds:schemaRef ds:uri="http://schemas.microsoft.com/office/2006/metadata/contentType"/>
@@ -12626,24 +11995,4 @@
     <ds:schemaRef ds:uri="http://schemas.microsoft.com/internal/obd"/>
   </ds:schemaRefs>
 </ds:datastoreItem>
-</file>
-
-<file path=customXml/itemProps3.xml><?xml version="1.0" encoding="utf-8"?>
-<ds:datastoreItem xmlns:ds="http://schemas.openxmlformats.org/officeDocument/2006/customXml" ds:itemID="{2C7807D1-0001-4B71-AB81-1D049869F5D7}">
-  <ds:schemaRefs>
-    <ds:schemaRef ds:uri="http://www.w3.org/XML/1998/namespace"/>
-    <ds:schemaRef ds:uri="http://schemas.microsoft.com/office/2006/documentManagement/types"/>
-    <ds:schemaRef ds:uri="http://schemas.microsoft.com/office/2006/metadata/properties"/>
-    <ds:schemaRef ds:uri="c72cf39f-c3f5-4eb9-a8e5-9b49cf2dc8b5"/>
-    <ds:schemaRef ds:uri="http://purl.org/dc/terms/"/>
-    <ds:schemaRef ds:uri="http://schemas.microsoft.com/office/infopath/2007/PartnerControls"/>
-    <ds:schemaRef ds:uri="http://purl.org/dc/elements/1.1/"/>
-    <ds:schemaRef ds:uri="http://schemas.openxmlformats.org/package/2006/metadata/core-properties"/>
-    <ds:schemaRef ds:uri="http://purl.org/dc/dcmitype/"/>
-    <ds:schemaRef ds:uri="0c9ef302-d0f5-41b8-916b-4c6700c22d76"/>
-    <ds:schemaRef ds:uri="5cece13e-3376-4417-9525-be60b11a89a8"/>
-    <ds:schemaRef ds:uri="a2399f9e-f70d-4dd1-85fd-f8d0e48b7fb2"/>
-    <ds:schemaRef ds:uri="ba666acb-b9bd-4302-aecd-76a6448eddb5"/>
-  </ds:schemaRefs>
-</ds:datastoreItem>
 </file>